--- a/work/wk_2Ki4_1_7.pptx
+++ b/work/wk_2Ki4_1_7.pptx
@@ -5,7 +5,7 @@
     <p:sldMasterId id="2147483648" r:id="rId1"/>
   </p:sldMasterIdLst>
   <p:notesMasterIdLst>
-    <p:notesMasterId r:id="rId11"/>
+    <p:notesMasterId r:id="rId13"/>
   </p:notesMasterIdLst>
   <p:sldIdLst>
     <p:sldId id="256" r:id="rId2"/>
@@ -14,9 +14,11 @@
     <p:sldId id="1383" r:id="rId5"/>
     <p:sldId id="1394" r:id="rId6"/>
     <p:sldId id="1397" r:id="rId7"/>
-    <p:sldId id="1396" r:id="rId8"/>
-    <p:sldId id="1386" r:id="rId9"/>
-    <p:sldId id="1101" r:id="rId10"/>
+    <p:sldId id="1399" r:id="rId8"/>
+    <p:sldId id="1384" r:id="rId9"/>
+    <p:sldId id="1396" r:id="rId10"/>
+    <p:sldId id="1386" r:id="rId11"/>
+    <p:sldId id="1101" r:id="rId12"/>
   </p:sldIdLst>
   <p:sldSz cx="12192000" cy="6858000"/>
   <p:notesSz cx="6858000" cy="9144000"/>
@@ -961,7 +963,7 @@
     </p:spTree>
     <p:extLst>
       <p:ext uri="{BB962C8B-B14F-4D97-AF65-F5344CB8AC3E}">
-        <p14:creationId xmlns:p14="http://schemas.microsoft.com/office/powerpoint/2010/main" val="306829064"/>
+        <p14:creationId xmlns:p14="http://schemas.microsoft.com/office/powerpoint/2010/main" val="3732942767"/>
       </p:ext>
     </p:extLst>
   </p:cSld>
@@ -1037,6 +1039,174 @@
             <a:fld id="{21B2AA4F-B828-4D7C-AFD3-893933DAFCB4}" type="slidenum">
               <a:rPr lang="en-US" smtClean="0"/>
               <a:t>8</a:t>
+            </a:fld>
+            <a:endParaRPr lang="en-US"/>
+          </a:p>
+        </p:txBody>
+      </p:sp>
+    </p:spTree>
+    <p:extLst>
+      <p:ext uri="{BB962C8B-B14F-4D97-AF65-F5344CB8AC3E}">
+        <p14:creationId xmlns:p14="http://schemas.microsoft.com/office/powerpoint/2010/main" val="3228017656"/>
+      </p:ext>
+    </p:extLst>
+  </p:cSld>
+  <p:clrMapOvr>
+    <a:masterClrMapping/>
+  </p:clrMapOvr>
+</p:notes>
+</file>
+
+<file path=ppt/notesSlides/notesSlide8.xml><?xml version="1.0" encoding="utf-8"?>
+<p:notes xmlns:a="http://schemas.openxmlformats.org/drawingml/2006/main" xmlns:r="http://schemas.openxmlformats.org/officeDocument/2006/relationships" xmlns:p="http://schemas.openxmlformats.org/presentationml/2006/main">
+  <p:cSld>
+    <p:spTree>
+      <p:nvGrpSpPr>
+        <p:cNvPr id="1" name=""/>
+        <p:cNvGrpSpPr/>
+        <p:nvPr/>
+      </p:nvGrpSpPr>
+      <p:grpSpPr>
+        <a:xfrm>
+          <a:off x="0" y="0"/>
+          <a:ext cx="0" cy="0"/>
+          <a:chOff x="0" y="0"/>
+          <a:chExt cx="0" cy="0"/>
+        </a:xfrm>
+      </p:grpSpPr>
+      <p:sp>
+        <p:nvSpPr>
+          <p:cNvPr id="2" name="Slide Image Placeholder 1"/>
+          <p:cNvSpPr>
+            <a:spLocks noGrp="1" noRot="1" noChangeAspect="1"/>
+          </p:cNvSpPr>
+          <p:nvPr>
+            <p:ph type="sldImg"/>
+          </p:nvPr>
+        </p:nvSpPr>
+        <p:spPr/>
+      </p:sp>
+      <p:sp>
+        <p:nvSpPr>
+          <p:cNvPr id="3" name="Notes Placeholder 2"/>
+          <p:cNvSpPr>
+            <a:spLocks noGrp="1"/>
+          </p:cNvSpPr>
+          <p:nvPr>
+            <p:ph type="body" idx="1"/>
+          </p:nvPr>
+        </p:nvSpPr>
+        <p:spPr/>
+        <p:txBody>
+          <a:bodyPr/>
+          <a:lstStyle/>
+          <a:p>
+            <a:endParaRPr lang="en-US" dirty="0"/>
+          </a:p>
+        </p:txBody>
+      </p:sp>
+      <p:sp>
+        <p:nvSpPr>
+          <p:cNvPr id="4" name="Slide Number Placeholder 3"/>
+          <p:cNvSpPr>
+            <a:spLocks noGrp="1"/>
+          </p:cNvSpPr>
+          <p:nvPr>
+            <p:ph type="sldNum" sz="quarter" idx="5"/>
+          </p:nvPr>
+        </p:nvSpPr>
+        <p:spPr/>
+        <p:txBody>
+          <a:bodyPr/>
+          <a:lstStyle/>
+          <a:p>
+            <a:fld id="{21B2AA4F-B828-4D7C-AFD3-893933DAFCB4}" type="slidenum">
+              <a:rPr lang="en-US" smtClean="0"/>
+              <a:t>9</a:t>
+            </a:fld>
+            <a:endParaRPr lang="en-US"/>
+          </a:p>
+        </p:txBody>
+      </p:sp>
+    </p:spTree>
+    <p:extLst>
+      <p:ext uri="{BB962C8B-B14F-4D97-AF65-F5344CB8AC3E}">
+        <p14:creationId xmlns:p14="http://schemas.microsoft.com/office/powerpoint/2010/main" val="306829064"/>
+      </p:ext>
+    </p:extLst>
+  </p:cSld>
+  <p:clrMapOvr>
+    <a:masterClrMapping/>
+  </p:clrMapOvr>
+</p:notes>
+</file>
+
+<file path=ppt/notesSlides/notesSlide9.xml><?xml version="1.0" encoding="utf-8"?>
+<p:notes xmlns:a="http://schemas.openxmlformats.org/drawingml/2006/main" xmlns:r="http://schemas.openxmlformats.org/officeDocument/2006/relationships" xmlns:p="http://schemas.openxmlformats.org/presentationml/2006/main">
+  <p:cSld>
+    <p:spTree>
+      <p:nvGrpSpPr>
+        <p:cNvPr id="1" name=""/>
+        <p:cNvGrpSpPr/>
+        <p:nvPr/>
+      </p:nvGrpSpPr>
+      <p:grpSpPr>
+        <a:xfrm>
+          <a:off x="0" y="0"/>
+          <a:ext cx="0" cy="0"/>
+          <a:chOff x="0" y="0"/>
+          <a:chExt cx="0" cy="0"/>
+        </a:xfrm>
+      </p:grpSpPr>
+      <p:sp>
+        <p:nvSpPr>
+          <p:cNvPr id="2" name="Slide Image Placeholder 1"/>
+          <p:cNvSpPr>
+            <a:spLocks noGrp="1" noRot="1" noChangeAspect="1"/>
+          </p:cNvSpPr>
+          <p:nvPr>
+            <p:ph type="sldImg"/>
+          </p:nvPr>
+        </p:nvSpPr>
+        <p:spPr/>
+      </p:sp>
+      <p:sp>
+        <p:nvSpPr>
+          <p:cNvPr id="3" name="Notes Placeholder 2"/>
+          <p:cNvSpPr>
+            <a:spLocks noGrp="1"/>
+          </p:cNvSpPr>
+          <p:nvPr>
+            <p:ph type="body" idx="1"/>
+          </p:nvPr>
+        </p:nvSpPr>
+        <p:spPr/>
+        <p:txBody>
+          <a:bodyPr/>
+          <a:lstStyle/>
+          <a:p>
+            <a:endParaRPr lang="en-US" dirty="0"/>
+          </a:p>
+        </p:txBody>
+      </p:sp>
+      <p:sp>
+        <p:nvSpPr>
+          <p:cNvPr id="4" name="Slide Number Placeholder 3"/>
+          <p:cNvSpPr>
+            <a:spLocks noGrp="1"/>
+          </p:cNvSpPr>
+          <p:nvPr>
+            <p:ph type="sldNum" sz="quarter" idx="5"/>
+          </p:nvPr>
+        </p:nvSpPr>
+        <p:spPr/>
+        <p:txBody>
+          <a:bodyPr/>
+          <a:lstStyle/>
+          <a:p>
+            <a:fld id="{21B2AA4F-B828-4D7C-AFD3-893933DAFCB4}" type="slidenum">
+              <a:rPr lang="en-US" smtClean="0"/>
+              <a:t>10</a:t>
             </a:fld>
             <a:endParaRPr lang="en-US"/>
           </a:p>
@@ -4508,6 +4678,779 @@
   <p:clrMapOvr>
     <a:masterClrMapping/>
   </p:clrMapOvr>
+</p:sld>
+</file>
+
+<file path=ppt/slides/slide10.xml><?xml version="1.0" encoding="utf-8"?>
+<p:sld xmlns:a="http://schemas.openxmlformats.org/drawingml/2006/main" xmlns:r="http://schemas.openxmlformats.org/officeDocument/2006/relationships" xmlns:p="http://schemas.openxmlformats.org/presentationml/2006/main">
+  <p:cSld>
+    <p:spTree>
+      <p:nvGrpSpPr>
+        <p:cNvPr id="1" name=""/>
+        <p:cNvGrpSpPr/>
+        <p:nvPr/>
+      </p:nvGrpSpPr>
+      <p:grpSpPr>
+        <a:xfrm>
+          <a:off x="0" y="0"/>
+          <a:ext cx="0" cy="0"/>
+          <a:chOff x="0" y="0"/>
+          <a:chExt cx="0" cy="0"/>
+        </a:xfrm>
+      </p:grpSpPr>
+      <p:sp>
+        <p:nvSpPr>
+          <p:cNvPr id="2" name="Title 1"/>
+          <p:cNvSpPr>
+            <a:spLocks noGrp="1"/>
+          </p:cNvSpPr>
+          <p:nvPr>
+            <p:ph type="title"/>
+          </p:nvPr>
+        </p:nvSpPr>
+        <p:spPr>
+          <a:xfrm>
+            <a:off x="351817" y="301557"/>
+            <a:ext cx="11488366" cy="700392"/>
+          </a:xfrm>
+          <a:solidFill>
+            <a:schemeClr val="accent3">
+              <a:lumMod val="85000"/>
+            </a:schemeClr>
+          </a:solidFill>
+        </p:spPr>
+        <p:txBody>
+          <a:bodyPr/>
+          <a:lstStyle/>
+          <a:p>
+            <a:r>
+              <a:rPr lang="en-US" altLang="zh-CN" sz="3200" dirty="0">
+                <a:solidFill>
+                  <a:schemeClr val="accent2"/>
+                </a:solidFill>
+                <a:sym typeface="+mn-ea"/>
+              </a:rPr>
+              <a:t>Pray: Don’t Do Evil in the Eyes of the Lord</a:t>
+            </a:r>
+            <a:endParaRPr lang="zh-CN" altLang="en-US" sz="3200" dirty="0">
+              <a:solidFill>
+                <a:schemeClr val="accent2"/>
+              </a:solidFill>
+              <a:sym typeface="+mn-ea"/>
+            </a:endParaRPr>
+          </a:p>
+        </p:txBody>
+      </p:sp>
+      <p:sp>
+        <p:nvSpPr>
+          <p:cNvPr id="4" name="Title 1">
+            <a:extLst>
+              <a:ext uri="{FF2B5EF4-FFF2-40B4-BE49-F238E27FC236}">
+                <a16:creationId xmlns:a16="http://schemas.microsoft.com/office/drawing/2014/main" id="{B2621A2B-4228-F644-843E-86E1E4ACA426}"/>
+              </a:ext>
+            </a:extLst>
+          </p:cNvPr>
+          <p:cNvSpPr txBox="1">
+            <a:spLocks/>
+          </p:cNvSpPr>
+          <p:nvPr/>
+        </p:nvSpPr>
+        <p:spPr>
+          <a:xfrm>
+            <a:off x="351817" y="1279184"/>
+            <a:ext cx="11488366" cy="1600203"/>
+          </a:xfrm>
+          <a:prstGeom prst="rect">
+            <a:avLst/>
+          </a:prstGeom>
+          <a:noFill/>
+          <a:ln w="9525">
+            <a:solidFill>
+              <a:schemeClr val="bg2"/>
+            </a:solidFill>
+          </a:ln>
+        </p:spPr>
+        <p:txBody>
+          <a:bodyPr anchor="ctr" anchorCtr="0"/>
+          <a:lstStyle>
+            <a:lvl1pPr algn="l" rtl="0" fontAlgn="base">
+              <a:spcBef>
+                <a:spcPct val="0"/>
+              </a:spcBef>
+              <a:spcAft>
+                <a:spcPct val="0"/>
+              </a:spcAft>
+              <a:defRPr sz="3600" kern="1200">
+                <a:solidFill>
+                  <a:schemeClr val="tx1"/>
+                </a:solidFill>
+                <a:latin typeface="+mj-lt"/>
+                <a:ea typeface="+mj-ea"/>
+                <a:cs typeface="+mj-cs"/>
+              </a:defRPr>
+            </a:lvl1pPr>
+            <a:lvl2pPr algn="l" rtl="0" fontAlgn="base">
+              <a:spcBef>
+                <a:spcPct val="0"/>
+              </a:spcBef>
+              <a:spcAft>
+                <a:spcPct val="0"/>
+              </a:spcAft>
+              <a:defRPr sz="3600">
+                <a:solidFill>
+                  <a:schemeClr val="tx1"/>
+                </a:solidFill>
+                <a:latin typeface="Arial" panose="020B0604020202020204" pitchFamily="34" charset="0"/>
+                <a:ea typeface="SimSun" panose="02010600030101010101" pitchFamily="2" charset="-122"/>
+              </a:defRPr>
+            </a:lvl2pPr>
+            <a:lvl3pPr algn="l" rtl="0" fontAlgn="base">
+              <a:spcBef>
+                <a:spcPct val="0"/>
+              </a:spcBef>
+              <a:spcAft>
+                <a:spcPct val="0"/>
+              </a:spcAft>
+              <a:defRPr sz="3600">
+                <a:solidFill>
+                  <a:schemeClr val="tx1"/>
+                </a:solidFill>
+                <a:latin typeface="Arial" panose="020B0604020202020204" pitchFamily="34" charset="0"/>
+                <a:ea typeface="SimSun" panose="02010600030101010101" pitchFamily="2" charset="-122"/>
+              </a:defRPr>
+            </a:lvl3pPr>
+            <a:lvl4pPr algn="l" rtl="0" fontAlgn="base">
+              <a:spcBef>
+                <a:spcPct val="0"/>
+              </a:spcBef>
+              <a:spcAft>
+                <a:spcPct val="0"/>
+              </a:spcAft>
+              <a:defRPr sz="3600">
+                <a:solidFill>
+                  <a:schemeClr val="tx1"/>
+                </a:solidFill>
+                <a:latin typeface="Arial" panose="020B0604020202020204" pitchFamily="34" charset="0"/>
+                <a:ea typeface="SimSun" panose="02010600030101010101" pitchFamily="2" charset="-122"/>
+              </a:defRPr>
+            </a:lvl4pPr>
+            <a:lvl5pPr algn="l" rtl="0" fontAlgn="base">
+              <a:spcBef>
+                <a:spcPct val="0"/>
+              </a:spcBef>
+              <a:spcAft>
+                <a:spcPct val="0"/>
+              </a:spcAft>
+              <a:defRPr sz="3600">
+                <a:solidFill>
+                  <a:schemeClr val="tx1"/>
+                </a:solidFill>
+                <a:latin typeface="Arial" panose="020B0604020202020204" pitchFamily="34" charset="0"/>
+                <a:ea typeface="SimSun" panose="02010600030101010101" pitchFamily="2" charset="-122"/>
+              </a:defRPr>
+            </a:lvl5pPr>
+            <a:lvl6pPr marL="457200" algn="l" rtl="0" fontAlgn="base">
+              <a:spcBef>
+                <a:spcPct val="0"/>
+              </a:spcBef>
+              <a:spcAft>
+                <a:spcPct val="0"/>
+              </a:spcAft>
+              <a:defRPr sz="3600">
+                <a:solidFill>
+                  <a:schemeClr val="tx1"/>
+                </a:solidFill>
+                <a:latin typeface="Arial" panose="020B0604020202020204" pitchFamily="34" charset="0"/>
+                <a:ea typeface="SimSun" panose="02010600030101010101" pitchFamily="2" charset="-122"/>
+              </a:defRPr>
+            </a:lvl6pPr>
+            <a:lvl7pPr marL="914400" algn="l" rtl="0" fontAlgn="base">
+              <a:spcBef>
+                <a:spcPct val="0"/>
+              </a:spcBef>
+              <a:spcAft>
+                <a:spcPct val="0"/>
+              </a:spcAft>
+              <a:defRPr sz="3600">
+                <a:solidFill>
+                  <a:schemeClr val="tx1"/>
+                </a:solidFill>
+                <a:latin typeface="Arial" panose="020B0604020202020204" pitchFamily="34" charset="0"/>
+                <a:ea typeface="SimSun" panose="02010600030101010101" pitchFamily="2" charset="-122"/>
+              </a:defRPr>
+            </a:lvl7pPr>
+            <a:lvl8pPr marL="1371600" algn="l" rtl="0" fontAlgn="base">
+              <a:spcBef>
+                <a:spcPct val="0"/>
+              </a:spcBef>
+              <a:spcAft>
+                <a:spcPct val="0"/>
+              </a:spcAft>
+              <a:defRPr sz="3600">
+                <a:solidFill>
+                  <a:schemeClr val="tx1"/>
+                </a:solidFill>
+                <a:latin typeface="Arial" panose="020B0604020202020204" pitchFamily="34" charset="0"/>
+                <a:ea typeface="SimSun" panose="02010600030101010101" pitchFamily="2" charset="-122"/>
+              </a:defRPr>
+            </a:lvl8pPr>
+            <a:lvl9pPr marL="1828800" algn="l" rtl="0" fontAlgn="base">
+              <a:spcBef>
+                <a:spcPct val="0"/>
+              </a:spcBef>
+              <a:spcAft>
+                <a:spcPct val="0"/>
+              </a:spcAft>
+              <a:defRPr sz="3600">
+                <a:solidFill>
+                  <a:schemeClr val="tx1"/>
+                </a:solidFill>
+                <a:latin typeface="Arial" panose="020B0604020202020204" pitchFamily="34" charset="0"/>
+                <a:ea typeface="SimSun" panose="02010600030101010101" pitchFamily="2" charset="-122"/>
+              </a:defRPr>
+            </a:lvl9pPr>
+          </a:lstStyle>
+          <a:p>
+            <a:r>
+              <a:rPr lang="ja-JP" altLang="en-US" sz="3200">
+                <a:sym typeface="+mn-ea"/>
+              </a:rPr>
+              <a:t>求你看顾保守美国的根基永不动摇。以耶稣为神。 </a:t>
+            </a:r>
+            <a:endParaRPr lang="en-US" altLang="ja-JP" sz="3200" dirty="0">
+              <a:sym typeface="+mn-ea"/>
+            </a:endParaRPr>
+          </a:p>
+          <a:p>
+            <a:r>
+              <a:rPr lang="en-US" altLang="zh-CN" sz="3200" dirty="0">
+                <a:solidFill>
+                  <a:schemeClr val="accent2"/>
+                </a:solidFill>
+                <a:sym typeface="+mn-ea"/>
+              </a:rPr>
+              <a:t>Please watch over and preserve the foundations of America so that they will never be shaken. Believe in Jesus as God.</a:t>
+            </a:r>
+          </a:p>
+        </p:txBody>
+      </p:sp>
+      <p:sp>
+        <p:nvSpPr>
+          <p:cNvPr id="5" name="Title 1">
+            <a:extLst>
+              <a:ext uri="{FF2B5EF4-FFF2-40B4-BE49-F238E27FC236}">
+                <a16:creationId xmlns:a16="http://schemas.microsoft.com/office/drawing/2014/main" id="{995F4E9B-7EE9-B09F-A63C-75BECC538E35}"/>
+              </a:ext>
+            </a:extLst>
+          </p:cNvPr>
+          <p:cNvSpPr txBox="1">
+            <a:spLocks/>
+          </p:cNvSpPr>
+          <p:nvPr/>
+        </p:nvSpPr>
+        <p:spPr>
+          <a:xfrm>
+            <a:off x="351817" y="2988009"/>
+            <a:ext cx="11488366" cy="3124555"/>
+          </a:xfrm>
+          <a:prstGeom prst="rect">
+            <a:avLst/>
+          </a:prstGeom>
+          <a:noFill/>
+          <a:ln w="9525">
+            <a:solidFill>
+              <a:schemeClr val="bg2"/>
+            </a:solidFill>
+          </a:ln>
+        </p:spPr>
+        <p:txBody>
+          <a:bodyPr anchor="ctr" anchorCtr="0"/>
+          <a:lstStyle>
+            <a:lvl1pPr algn="l" rtl="0" fontAlgn="base">
+              <a:spcBef>
+                <a:spcPct val="0"/>
+              </a:spcBef>
+              <a:spcAft>
+                <a:spcPct val="0"/>
+              </a:spcAft>
+              <a:defRPr sz="3600" kern="1200">
+                <a:solidFill>
+                  <a:schemeClr val="tx1"/>
+                </a:solidFill>
+                <a:latin typeface="+mj-lt"/>
+                <a:ea typeface="+mj-ea"/>
+                <a:cs typeface="+mj-cs"/>
+              </a:defRPr>
+            </a:lvl1pPr>
+            <a:lvl2pPr algn="l" rtl="0" fontAlgn="base">
+              <a:spcBef>
+                <a:spcPct val="0"/>
+              </a:spcBef>
+              <a:spcAft>
+                <a:spcPct val="0"/>
+              </a:spcAft>
+              <a:defRPr sz="3600">
+                <a:solidFill>
+                  <a:schemeClr val="tx1"/>
+                </a:solidFill>
+                <a:latin typeface="Arial" panose="020B0604020202020204" pitchFamily="34" charset="0"/>
+                <a:ea typeface="SimSun" panose="02010600030101010101" pitchFamily="2" charset="-122"/>
+              </a:defRPr>
+            </a:lvl2pPr>
+            <a:lvl3pPr algn="l" rtl="0" fontAlgn="base">
+              <a:spcBef>
+                <a:spcPct val="0"/>
+              </a:spcBef>
+              <a:spcAft>
+                <a:spcPct val="0"/>
+              </a:spcAft>
+              <a:defRPr sz="3600">
+                <a:solidFill>
+                  <a:schemeClr val="tx1"/>
+                </a:solidFill>
+                <a:latin typeface="Arial" panose="020B0604020202020204" pitchFamily="34" charset="0"/>
+                <a:ea typeface="SimSun" panose="02010600030101010101" pitchFamily="2" charset="-122"/>
+              </a:defRPr>
+            </a:lvl3pPr>
+            <a:lvl4pPr algn="l" rtl="0" fontAlgn="base">
+              <a:spcBef>
+                <a:spcPct val="0"/>
+              </a:spcBef>
+              <a:spcAft>
+                <a:spcPct val="0"/>
+              </a:spcAft>
+              <a:defRPr sz="3600">
+                <a:solidFill>
+                  <a:schemeClr val="tx1"/>
+                </a:solidFill>
+                <a:latin typeface="Arial" panose="020B0604020202020204" pitchFamily="34" charset="0"/>
+                <a:ea typeface="SimSun" panose="02010600030101010101" pitchFamily="2" charset="-122"/>
+              </a:defRPr>
+            </a:lvl4pPr>
+            <a:lvl5pPr algn="l" rtl="0" fontAlgn="base">
+              <a:spcBef>
+                <a:spcPct val="0"/>
+              </a:spcBef>
+              <a:spcAft>
+                <a:spcPct val="0"/>
+              </a:spcAft>
+              <a:defRPr sz="3600">
+                <a:solidFill>
+                  <a:schemeClr val="tx1"/>
+                </a:solidFill>
+                <a:latin typeface="Arial" panose="020B0604020202020204" pitchFamily="34" charset="0"/>
+                <a:ea typeface="SimSun" panose="02010600030101010101" pitchFamily="2" charset="-122"/>
+              </a:defRPr>
+            </a:lvl5pPr>
+            <a:lvl6pPr marL="457200" algn="l" rtl="0" fontAlgn="base">
+              <a:spcBef>
+                <a:spcPct val="0"/>
+              </a:spcBef>
+              <a:spcAft>
+                <a:spcPct val="0"/>
+              </a:spcAft>
+              <a:defRPr sz="3600">
+                <a:solidFill>
+                  <a:schemeClr val="tx1"/>
+                </a:solidFill>
+                <a:latin typeface="Arial" panose="020B0604020202020204" pitchFamily="34" charset="0"/>
+                <a:ea typeface="SimSun" panose="02010600030101010101" pitchFamily="2" charset="-122"/>
+              </a:defRPr>
+            </a:lvl6pPr>
+            <a:lvl7pPr marL="914400" algn="l" rtl="0" fontAlgn="base">
+              <a:spcBef>
+                <a:spcPct val="0"/>
+              </a:spcBef>
+              <a:spcAft>
+                <a:spcPct val="0"/>
+              </a:spcAft>
+              <a:defRPr sz="3600">
+                <a:solidFill>
+                  <a:schemeClr val="tx1"/>
+                </a:solidFill>
+                <a:latin typeface="Arial" panose="020B0604020202020204" pitchFamily="34" charset="0"/>
+                <a:ea typeface="SimSun" panose="02010600030101010101" pitchFamily="2" charset="-122"/>
+              </a:defRPr>
+            </a:lvl7pPr>
+            <a:lvl8pPr marL="1371600" algn="l" rtl="0" fontAlgn="base">
+              <a:spcBef>
+                <a:spcPct val="0"/>
+              </a:spcBef>
+              <a:spcAft>
+                <a:spcPct val="0"/>
+              </a:spcAft>
+              <a:defRPr sz="3600">
+                <a:solidFill>
+                  <a:schemeClr val="tx1"/>
+                </a:solidFill>
+                <a:latin typeface="Arial" panose="020B0604020202020204" pitchFamily="34" charset="0"/>
+                <a:ea typeface="SimSun" panose="02010600030101010101" pitchFamily="2" charset="-122"/>
+              </a:defRPr>
+            </a:lvl8pPr>
+            <a:lvl9pPr marL="1828800" algn="l" rtl="0" fontAlgn="base">
+              <a:spcBef>
+                <a:spcPct val="0"/>
+              </a:spcBef>
+              <a:spcAft>
+                <a:spcPct val="0"/>
+              </a:spcAft>
+              <a:defRPr sz="3600">
+                <a:solidFill>
+                  <a:schemeClr val="tx1"/>
+                </a:solidFill>
+                <a:latin typeface="Arial" panose="020B0604020202020204" pitchFamily="34" charset="0"/>
+                <a:ea typeface="SimSun" panose="02010600030101010101" pitchFamily="2" charset="-122"/>
+              </a:defRPr>
+            </a:lvl9pPr>
+          </a:lstStyle>
+          <a:p>
+            <a:r>
+              <a:rPr lang="ja-JP" altLang="en-US" sz="3200">
+                <a:sym typeface="+mn-ea"/>
+              </a:rPr>
+              <a:t>求你看顾保守美国年青的一代</a:t>
+            </a:r>
+            <a:r>
+              <a:rPr lang="en-US" altLang="ja-JP" sz="3200" dirty="0">
+                <a:sym typeface="+mn-ea"/>
+              </a:rPr>
+              <a:t>, </a:t>
+            </a:r>
+            <a:r>
+              <a:rPr lang="ja-JP" altLang="en-US" sz="3200">
+                <a:sym typeface="+mn-ea"/>
+              </a:rPr>
+              <a:t>寻求真理</a:t>
+            </a:r>
+            <a:r>
+              <a:rPr lang="en-US" altLang="ja-JP" sz="3200" dirty="0">
+                <a:sym typeface="+mn-ea"/>
+              </a:rPr>
+              <a:t>,</a:t>
+            </a:r>
+            <a:r>
+              <a:rPr lang="ja-JP" altLang="en-US" sz="3200">
+                <a:sym typeface="+mn-ea"/>
+              </a:rPr>
+              <a:t> 建立幸福家庭</a:t>
+            </a:r>
+            <a:r>
+              <a:rPr lang="en-US" altLang="ja-JP" sz="3200" dirty="0">
+                <a:sym typeface="+mn-ea"/>
+              </a:rPr>
+              <a:t>,</a:t>
+            </a:r>
+          </a:p>
+          <a:p>
+            <a:r>
+              <a:rPr lang="ja-JP" altLang="en-US" sz="3200">
+                <a:sym typeface="+mn-ea"/>
+              </a:rPr>
+              <a:t> </a:t>
+            </a:r>
+            <a:r>
+              <a:rPr lang="ja-JP" altLang="en-US" sz="3200">
+                <a:solidFill>
+                  <a:srgbClr val="0070C0"/>
+                </a:solidFill>
+                <a:sym typeface="+mn-ea"/>
+              </a:rPr>
+              <a:t>不叫他们被色情</a:t>
+            </a:r>
+            <a:r>
+              <a:rPr lang="en-US" altLang="ja-JP" sz="3200" dirty="0">
+                <a:solidFill>
+                  <a:srgbClr val="0070C0"/>
+                </a:solidFill>
+                <a:sym typeface="+mn-ea"/>
+              </a:rPr>
+              <a:t>,</a:t>
+            </a:r>
+            <a:r>
+              <a:rPr lang="ja-JP" altLang="en-US" sz="3200">
+                <a:solidFill>
+                  <a:srgbClr val="0070C0"/>
+                </a:solidFill>
+                <a:sym typeface="+mn-ea"/>
+              </a:rPr>
+              <a:t>毒品</a:t>
+            </a:r>
+            <a:r>
+              <a:rPr lang="en-US" altLang="ja-JP" sz="3200" dirty="0">
+                <a:solidFill>
+                  <a:srgbClr val="0070C0"/>
+                </a:solidFill>
+                <a:sym typeface="+mn-ea"/>
+              </a:rPr>
+              <a:t>,</a:t>
+            </a:r>
+            <a:r>
+              <a:rPr lang="ja-JP" altLang="en-US" sz="3200">
+                <a:solidFill>
+                  <a:srgbClr val="0070C0"/>
+                </a:solidFill>
+                <a:sym typeface="+mn-ea"/>
+              </a:rPr>
+              <a:t>异端所掠去</a:t>
+            </a:r>
+            <a:r>
+              <a:rPr lang="ja-JP" altLang="en-US" sz="3200">
+                <a:sym typeface="+mn-ea"/>
+              </a:rPr>
+              <a:t>。</a:t>
+            </a:r>
+            <a:endParaRPr lang="en-US" altLang="ja-JP" sz="3200" dirty="0">
+              <a:sym typeface="+mn-ea"/>
+            </a:endParaRPr>
+          </a:p>
+          <a:p>
+            <a:r>
+              <a:rPr lang="en-US" altLang="zh-CN" sz="3200" dirty="0">
+                <a:solidFill>
+                  <a:schemeClr val="accent2"/>
+                </a:solidFill>
+                <a:sym typeface="+mn-ea"/>
+              </a:rPr>
+              <a:t>Please watch over and protect the younger generation, establish a divine, happy family,</a:t>
+            </a:r>
+          </a:p>
+          <a:p>
+            <a:r>
+              <a:rPr lang="en-US" altLang="zh-CN" sz="3200" dirty="0">
+                <a:solidFill>
+                  <a:schemeClr val="accent2"/>
+                </a:solidFill>
+                <a:sym typeface="+mn-ea"/>
+              </a:rPr>
+              <a:t>Seeking the Truth,  </a:t>
+            </a:r>
+          </a:p>
+          <a:p>
+            <a:r>
+              <a:rPr lang="en-US" altLang="zh-CN" sz="3200" dirty="0">
+                <a:solidFill>
+                  <a:schemeClr val="accent2"/>
+                </a:solidFill>
+                <a:sym typeface="+mn-ea"/>
+              </a:rPr>
+              <a:t>Don't let them be taken away by pornography, drugs, and heresy liberal thoughts. </a:t>
+            </a:r>
+          </a:p>
+        </p:txBody>
+      </p:sp>
+    </p:spTree>
+    <p:extLst>
+      <p:ext uri="{BB962C8B-B14F-4D97-AF65-F5344CB8AC3E}">
+        <p14:creationId xmlns:p14="http://schemas.microsoft.com/office/powerpoint/2010/main" val="162080211"/>
+      </p:ext>
+    </p:extLst>
+  </p:cSld>
+  <p:clrMapOvr>
+    <a:masterClrMapping/>
+  </p:clrMapOvr>
+</p:sld>
+</file>
+
+<file path=ppt/slides/slide11.xml><?xml version="1.0" encoding="utf-8"?>
+<p:sld xmlns:a="http://schemas.openxmlformats.org/drawingml/2006/main" xmlns:r="http://schemas.openxmlformats.org/officeDocument/2006/relationships" xmlns:p="http://schemas.openxmlformats.org/presentationml/2006/main">
+  <p:cSld>
+    <p:spTree>
+      <p:nvGrpSpPr>
+        <p:cNvPr id="1" name=""/>
+        <p:cNvGrpSpPr/>
+        <p:nvPr/>
+      </p:nvGrpSpPr>
+      <p:grpSpPr>
+        <a:xfrm>
+          <a:off x="0" y="0"/>
+          <a:ext cx="0" cy="0"/>
+          <a:chOff x="0" y="0"/>
+          <a:chExt cx="0" cy="0"/>
+        </a:xfrm>
+      </p:grpSpPr>
+      <p:sp>
+        <p:nvSpPr>
+          <p:cNvPr id="21" name="Title 20"/>
+          <p:cNvSpPr>
+            <a:spLocks noGrp="1"/>
+          </p:cNvSpPr>
+          <p:nvPr>
+            <p:ph type="title"/>
+          </p:nvPr>
+        </p:nvSpPr>
+        <p:spPr/>
+        <p:txBody>
+          <a:bodyPr/>
+          <a:lstStyle/>
+          <a:p>
+            <a:endParaRPr lang="en-US" dirty="0"/>
+          </a:p>
+        </p:txBody>
+      </p:sp>
+      <p:sp>
+        <p:nvSpPr>
+          <p:cNvPr id="17" name="Text Box 16"/>
+          <p:cNvSpPr txBox="1"/>
+          <p:nvPr/>
+        </p:nvSpPr>
+        <p:spPr>
+          <a:xfrm>
+            <a:off x="1172250" y="1031589"/>
+            <a:ext cx="9051519" cy="4659091"/>
+          </a:xfrm>
+          <a:prstGeom prst="rect">
+            <a:avLst/>
+          </a:prstGeom>
+          <a:noFill/>
+        </p:spPr>
+        <p:txBody>
+          <a:bodyPr wrap="square" rtlCol="0">
+            <a:noAutofit/>
+          </a:bodyPr>
+          <a:lstStyle/>
+          <a:p>
+            <a:pPr algn="ctr"/>
+            <a:r>
+              <a:rPr lang="en-US" altLang="en-US" sz="2800" dirty="0">
+                <a:hlinkClick r:id="rId2"/>
+              </a:rPr>
+              <a:t>https://www.youtube.com/watch?v=8sXlbTkH6SE&amp;ab_channel=ACCCAtlanta</a:t>
+            </a:r>
+            <a:r>
+              <a:rPr lang="en-US" altLang="en-US" sz="2800" dirty="0"/>
+              <a:t> </a:t>
+            </a:r>
+          </a:p>
+          <a:p>
+            <a:pPr algn="ctr"/>
+            <a:r>
+              <a:rPr lang="ja-JP" altLang="en-US" sz="2800" b="1" i="0">
+                <a:solidFill>
+                  <a:srgbClr val="0F0F0F"/>
+                </a:solidFill>
+                <a:effectLst/>
+                <a:latin typeface="Roboto" panose="02000000000000000000" pitchFamily="2" charset="0"/>
+              </a:rPr>
+              <a:t>為主而活</a:t>
+            </a:r>
+          </a:p>
+          <a:p>
+            <a:pPr algn="ctr"/>
+            <a:endParaRPr lang="en-US" altLang="en-US" sz="2800" dirty="0"/>
+          </a:p>
+          <a:p>
+            <a:pPr algn="ctr"/>
+            <a:endParaRPr lang="en-US" altLang="en-US" sz="2800" dirty="0"/>
+          </a:p>
+          <a:p>
+            <a:pPr algn="ctr"/>
+            <a:endParaRPr lang="en-US" altLang="en-US" sz="2800" dirty="0"/>
+          </a:p>
+          <a:p>
+            <a:pPr algn="ctr"/>
+            <a:r>
+              <a:rPr lang="en-US" altLang="en-US" sz="2800" dirty="0"/>
+              <a:t>https://</a:t>
+            </a:r>
+            <a:r>
+              <a:rPr lang="en-US" altLang="en-US" sz="2800" dirty="0" err="1"/>
+              <a:t>www.youtube.com</a:t>
+            </a:r>
+            <a:r>
+              <a:rPr lang="en-US" altLang="en-US" sz="2800" dirty="0"/>
+              <a:t>/</a:t>
+            </a:r>
+            <a:r>
+              <a:rPr lang="en-US" altLang="en-US" sz="2800" dirty="0" err="1"/>
+              <a:t>watch?v</a:t>
+            </a:r>
+            <a:r>
+              <a:rPr lang="en-US" altLang="en-US" sz="2800" dirty="0"/>
+              <a:t>=bmUnSstK854</a:t>
+            </a:r>
+          </a:p>
+          <a:p>
+            <a:pPr algn="ctr"/>
+            <a:r>
+              <a:rPr lang="zh-CN" altLang="en-US" sz="2800" dirty="0"/>
+              <a:t>行祢旨意</a:t>
+            </a:r>
+            <a:r>
+              <a:rPr lang="en-US" altLang="en-US" sz="2800" dirty="0"/>
+              <a:t> </a:t>
+            </a:r>
+          </a:p>
+          <a:p>
+            <a:pPr algn="ctr"/>
+            <a:r>
+              <a:rPr lang="en-US" altLang="en-US" sz="2800" dirty="0"/>
+              <a:t>(Go) Hillsong In Chinese</a:t>
+            </a:r>
+          </a:p>
+          <a:p>
+            <a:pPr algn="ctr"/>
+            <a:r>
+              <a:rPr lang="en-US" altLang="en-US" sz="2800" dirty="0"/>
+              <a:t>Hillsong </a:t>
+            </a:r>
+            <a:r>
+              <a:rPr lang="zh-CN" altLang="en-US" sz="2800" dirty="0"/>
+              <a:t>华语</a:t>
+            </a:r>
+          </a:p>
+          <a:p>
+            <a:pPr algn="ctr"/>
+            <a:endParaRPr lang="en-US" altLang="en-US" sz="2800" dirty="0"/>
+          </a:p>
+          <a:p>
+            <a:pPr algn="ctr"/>
+            <a:endParaRPr lang="en-US" altLang="en-US" sz="2800" dirty="0"/>
+          </a:p>
+        </p:txBody>
+      </p:sp>
+      <p:pic>
+        <p:nvPicPr>
+          <p:cNvPr id="20" name="Content Placeholder 19"/>
+          <p:cNvPicPr>
+            <a:picLocks noGrp="1" noChangeAspect="1"/>
+          </p:cNvPicPr>
+          <p:nvPr>
+            <p:ph idx="1"/>
+          </p:nvPr>
+        </p:nvPicPr>
+        <p:blipFill>
+          <a:blip/>
+          <a:stretch>
+            <a:fillRect/>
+          </a:stretch>
+        </p:blipFill>
+        <p:spPr>
+          <a:xfrm>
+            <a:off x="-2147483648" y="-2147483648"/>
+            <a:ext cx="2147011200" cy="2147011200"/>
+          </a:xfrm>
+          <a:prstGeom prst="rect">
+            <a:avLst/>
+          </a:prstGeom>
+        </p:spPr>
+      </p:pic>
+    </p:spTree>
+  </p:cSld>
+  <p:clrMapOvr>
+    <a:masterClrMapping/>
+  </p:clrMapOvr>
+  <mc:AlternateContent xmlns:mc="http://schemas.openxmlformats.org/markup-compatibility/2006" xmlns:p14="http://schemas.microsoft.com/office/powerpoint/2010/main">
+    <mc:Choice Requires="p14">
+      <p:transition spd="slow">
+        <p:wedge/>
+      </p:transition>
+    </mc:Choice>
+    <mc:Fallback xmlns="">
+      <p:transition spd="slow">
+        <p:wedge/>
+      </p:transition>
+    </mc:Fallback>
+  </mc:AlternateContent>
 </p:sld>
 </file>
 
@@ -6162,14 +7105,14 @@
           <p:nvPr>
             <p:extLst>
               <p:ext uri="{D42A27DB-BD31-4B8C-83A1-F6EECF244321}">
-                <p14:modId xmlns:p14="http://schemas.microsoft.com/office/powerpoint/2010/main" val="2852151231"/>
+                <p14:modId xmlns:p14="http://schemas.microsoft.com/office/powerpoint/2010/main" val="594475473"/>
               </p:ext>
             </p:extLst>
           </p:nvPr>
         </p:nvGraphicFramePr>
         <p:xfrm>
           <a:off x="351815" y="700393"/>
-          <a:ext cx="11488367" cy="6052686"/>
+          <a:ext cx="11488367" cy="6479406"/>
         </p:xfrm>
         <a:graphic>
           <a:graphicData uri="http://schemas.openxmlformats.org/drawingml/2006/table">
@@ -6413,6 +7356,17 @@
                       </a:r>
                     </a:p>
                     <a:p>
+                      <a:r>
+                        <a:rPr lang="en-US" sz="2800" dirty="0"/>
+                        <a:t>Seek </a:t>
+                      </a:r>
+                      <a:r>
+                        <a:rPr lang="en-US" sz="2800"/>
+                        <a:t>the Truth.</a:t>
+                      </a:r>
+                      <a:endParaRPr lang="en-US" sz="2800" dirty="0"/>
+                    </a:p>
+                    <a:p>
                       <a:endParaRPr lang="en-US" sz="2800" dirty="0"/>
                     </a:p>
                   </a:txBody>
@@ -6517,7 +7471,7 @@
                 </a:solidFill>
                 <a:sym typeface="+mn-ea"/>
               </a:rPr>
-              <a:t>Pray for the Family (Husband and Wife) </a:t>
+              <a:t>Love of God: </a:t>
             </a:r>
             <a:endParaRPr lang="zh-CN" altLang="en-US" sz="3200" dirty="0">
               <a:solidFill>
@@ -6544,8 +7498,8 @@
         </p:nvSpPr>
         <p:spPr>
           <a:xfrm>
-            <a:off x="351817" y="1128409"/>
-            <a:ext cx="11488366" cy="1896894"/>
+            <a:off x="351817" y="1001949"/>
+            <a:ext cx="11488366" cy="1682885"/>
           </a:xfrm>
           <a:prstGeom prst="rect">
             <a:avLst/>
@@ -6699,30 +7653,23 @@
           </a:lstStyle>
           <a:p>
             <a:r>
+              <a:rPr lang="en-US" altLang="zh-CN" sz="3200" dirty="0">
+                <a:sym typeface="+mn-ea"/>
+              </a:rPr>
+              <a:t>"</a:t>
+            </a:r>
+            <a:r>
               <a:rPr lang="zh-CN" altLang="en-US" sz="3200" dirty="0">
                 <a:sym typeface="+mn-ea"/>
               </a:rPr>
-              <a:t>我们在天上的父、愿人都尊你的名为圣。</a:t>
-            </a:r>
-            <a:endParaRPr lang="en-US" altLang="zh-CN" sz="3200" dirty="0">
-              <a:sym typeface="+mn-ea"/>
-            </a:endParaRPr>
-          </a:p>
-          <a:p>
-            <a:r>
-              <a:rPr lang="zh-CN" altLang="en-US" sz="3200" dirty="0">
-                <a:sym typeface="+mn-ea"/>
-              </a:rPr>
-              <a:t>愿你的国降临。愿你的旨意行在地上、如同行在天上</a:t>
+              <a:t>耶稣对他说、你要尽心、尽性、尽意、爱主你的　神。</a:t>
             </a:r>
             <a:r>
               <a:rPr lang="en-US" altLang="zh-CN" sz="3200" dirty="0">
                 <a:sym typeface="+mn-ea"/>
               </a:rPr>
-              <a:t>.</a:t>
-            </a:r>
-          </a:p>
-          <a:p>
+              <a:t>"</a:t>
+            </a:r>
             <a:r>
               <a:rPr lang="en-US" altLang="zh-CN" sz="3200" dirty="0">
                 <a:solidFill>
@@ -6730,7 +7677,7 @@
                 </a:solidFill>
                 <a:sym typeface="+mn-ea"/>
               </a:rPr>
-              <a:t>Father in heaven, hallowed be your name, your kingdom come, your will be done on earth as it is in heaven</a:t>
+              <a:t> "Jesus replied:  'Love the Lord your God with all your heart and with all your soul and with all your mind.'" (Mat22:37 NIV)</a:t>
             </a:r>
             <a:endParaRPr lang="zh-CN" altLang="en-US" sz="3200" dirty="0">
               <a:solidFill>
@@ -6746,7 +7693,7 @@
           <p:cNvPr id="3" name="Title 1">
             <a:extLst>
               <a:ext uri="{FF2B5EF4-FFF2-40B4-BE49-F238E27FC236}">
-                <a16:creationId xmlns:a16="http://schemas.microsoft.com/office/drawing/2014/main" id="{504C4F0A-766F-77BD-804C-FEB2C1BAB6D8}"/>
+                <a16:creationId xmlns:a16="http://schemas.microsoft.com/office/drawing/2014/main" id="{9AFDD413-04DE-B0A2-67AB-E07F6A623C87}"/>
               </a:ext>
             </a:extLst>
           </p:cNvPr>
@@ -6757,8 +7704,8 @@
         </p:nvSpPr>
         <p:spPr>
           <a:xfrm>
-            <a:off x="351817" y="3127439"/>
-            <a:ext cx="11488366" cy="3176084"/>
+            <a:off x="351817" y="2884251"/>
+            <a:ext cx="11488366" cy="1682885"/>
           </a:xfrm>
           <a:prstGeom prst="rect">
             <a:avLst/>
@@ -6912,50 +7859,22 @@
           </a:lstStyle>
           <a:p>
             <a:r>
+              <a:rPr lang="en-US" altLang="ja-JP" sz="3200" dirty="0">
+                <a:sym typeface="+mn-ea"/>
+              </a:rPr>
+              <a:t>"</a:t>
+            </a:r>
+            <a:r>
               <a:rPr lang="ja-JP" altLang="en-US" sz="3200">
                 <a:sym typeface="+mn-ea"/>
               </a:rPr>
-              <a:t>求你看顾保守教会牧师弟兄</a:t>
-            </a:r>
-            <a:r>
-              <a:rPr lang="zh-CN" altLang="en-US" sz="3200" dirty="0">
-                <a:sym typeface="+mn-ea"/>
-              </a:rPr>
-              <a:t>的</a:t>
-            </a:r>
-            <a:r>
-              <a:rPr lang="ja-JP" altLang="en-US" sz="3200">
-                <a:sym typeface="+mn-ea"/>
-              </a:rPr>
-              <a:t>家庭。不要叫我们遇见试探。救我们脱离凶恶。</a:t>
-            </a:r>
-            <a:endParaRPr lang="en-US" altLang="ja-JP" sz="3200" dirty="0">
-              <a:sym typeface="+mn-ea"/>
-            </a:endParaRPr>
-          </a:p>
-          <a:p>
-            <a:r>
-              <a:rPr lang="en-US" altLang="zh-CN" sz="3200" dirty="0">
-                <a:solidFill>
-                  <a:schemeClr val="accent2"/>
-                </a:solidFill>
-                <a:sym typeface="+mn-ea"/>
-              </a:rPr>
-              <a:t>Please watch over and protect the pastors and brothers’ Family. Do not lead us into temptation. Deliver us from evil.</a:t>
-            </a:r>
-          </a:p>
-          <a:p>
-            <a:r>
-              <a:rPr lang="ja-JP" altLang="en-US" sz="3200">
-                <a:sym typeface="+mn-ea"/>
-              </a:rPr>
-              <a:t>兴旺福音和教会</a:t>
+              <a:t>其次也相仿、就是要爱人如己。</a:t>
             </a:r>
             <a:r>
               <a:rPr lang="en-US" altLang="ja-JP" sz="3200" dirty="0">
                 <a:sym typeface="+mn-ea"/>
               </a:rPr>
-              <a:t>.</a:t>
+              <a:t>" </a:t>
             </a:r>
           </a:p>
           <a:p>
@@ -6966,15 +7885,21 @@
                 </a:solidFill>
                 <a:sym typeface="+mn-ea"/>
               </a:rPr>
-              <a:t>Thriving gospel and church.</a:t>
-            </a:r>
+              <a:t>"And the second is like it: 'Love your neighbor as yourself.'" (Mat22:39 NIV)</a:t>
+            </a:r>
+            <a:endParaRPr lang="zh-CN" altLang="en-US" sz="3200" dirty="0">
+              <a:solidFill>
+                <a:schemeClr val="accent2"/>
+              </a:solidFill>
+              <a:sym typeface="+mn-ea"/>
+            </a:endParaRPr>
           </a:p>
         </p:txBody>
       </p:sp>
     </p:spTree>
     <p:extLst>
       <p:ext uri="{BB962C8B-B14F-4D97-AF65-F5344CB8AC3E}">
-        <p14:creationId xmlns:p14="http://schemas.microsoft.com/office/powerpoint/2010/main" val="2969253704"/>
+        <p14:creationId xmlns:p14="http://schemas.microsoft.com/office/powerpoint/2010/main" val="545933883"/>
       </p:ext>
     </p:extLst>
   </p:cSld>
@@ -7033,7 +7958,7 @@
                 </a:solidFill>
                 <a:sym typeface="+mn-ea"/>
               </a:rPr>
-              <a:t>Pray: Don’t Do Evil in the Eyes of the Lord</a:t>
+              <a:t>Don’t Live in Comfort Zone</a:t>
             </a:r>
             <a:endParaRPr lang="zh-CN" altLang="en-US" sz="3200" dirty="0">
               <a:solidFill>
@@ -7046,10 +7971,10 @@
       </p:sp>
       <p:sp>
         <p:nvSpPr>
-          <p:cNvPr id="4" name="Title 1">
+          <p:cNvPr id="6" name="Title 1">
             <a:extLst>
               <a:ext uri="{FF2B5EF4-FFF2-40B4-BE49-F238E27FC236}">
-                <a16:creationId xmlns:a16="http://schemas.microsoft.com/office/drawing/2014/main" id="{B2621A2B-4228-F644-843E-86E1E4ACA426}"/>
+                <a16:creationId xmlns:a16="http://schemas.microsoft.com/office/drawing/2014/main" id="{9775AB54-DC47-878D-94A2-289C045F59B6}"/>
               </a:ext>
             </a:extLst>
           </p:cNvPr>
@@ -7060,8 +7985,8 @@
         </p:nvSpPr>
         <p:spPr>
           <a:xfrm>
-            <a:off x="351817" y="1279184"/>
-            <a:ext cx="11488366" cy="1600203"/>
+            <a:off x="351817" y="1128409"/>
+            <a:ext cx="11488366" cy="4328808"/>
           </a:xfrm>
           <a:prstGeom prst="rect">
             <a:avLst/>
@@ -7215,336 +8140,137 @@
           </a:lstStyle>
           <a:p>
             <a:r>
+              <a:rPr lang="en-US" altLang="zh-CN" sz="3200" dirty="0">
+                <a:sym typeface="+mn-ea"/>
+              </a:rPr>
+              <a:t>“</a:t>
+            </a:r>
+            <a:r>
+              <a:rPr lang="zh-CN" altLang="en-US" sz="3200" dirty="0">
+                <a:sym typeface="+mn-ea"/>
+              </a:rPr>
+              <a:t>所以你们要</a:t>
+            </a:r>
+            <a:r>
+              <a:rPr lang="zh-CN" altLang="en-US" sz="3200" b="1" i="1" dirty="0">
+                <a:sym typeface="+mn-ea"/>
+              </a:rPr>
+              <a:t>去</a:t>
+            </a:r>
+            <a:r>
+              <a:rPr lang="zh-CN" altLang="en-US" sz="3200" dirty="0">
+                <a:sym typeface="+mn-ea"/>
+              </a:rPr>
+              <a:t>、使万民作我的门徒、奉父子圣灵的名、给他们施洗</a:t>
+            </a:r>
+            <a:r>
               <a:rPr lang="ja-JP" altLang="en-US" sz="3200">
                 <a:sym typeface="+mn-ea"/>
               </a:rPr>
-              <a:t>求你看顾保守美国的根基永不动摇。以耶稣为神。 </a:t>
-            </a:r>
-            <a:endParaRPr lang="en-US" altLang="ja-JP" sz="3200" dirty="0">
+              <a:t>凡我所吩咐你们的、都教训他们遵守我就常与你们同在、直到世界的末了。</a:t>
+            </a:r>
+            <a:r>
+              <a:rPr lang="en-US" altLang="zh-CN" sz="3200" dirty="0">
+                <a:sym typeface="+mn-ea"/>
+              </a:rPr>
+              <a:t>”</a:t>
+            </a:r>
+          </a:p>
+          <a:p>
+            <a:r>
+              <a:rPr lang="en-US" altLang="zh-CN" sz="3200" dirty="0">
+                <a:solidFill>
+                  <a:schemeClr val="accent2"/>
+                </a:solidFill>
+                <a:sym typeface="+mn-ea"/>
+              </a:rPr>
+              <a:t>"Therefore </a:t>
+            </a:r>
+            <a:r>
+              <a:rPr lang="en-US" altLang="zh-CN" sz="3200" b="1" u="sng" dirty="0">
+                <a:solidFill>
+                  <a:schemeClr val="accent2"/>
+                </a:solidFill>
+                <a:sym typeface="+mn-ea"/>
+              </a:rPr>
+              <a:t>go</a:t>
+            </a:r>
+            <a:r>
+              <a:rPr lang="en-US" altLang="zh-CN" sz="3200" dirty="0">
+                <a:solidFill>
+                  <a:schemeClr val="accent2"/>
+                </a:solidFill>
+                <a:sym typeface="+mn-ea"/>
+              </a:rPr>
+              <a:t> and </a:t>
+            </a:r>
+            <a:r>
+              <a:rPr lang="en-US" altLang="zh-CN" sz="3200" b="1" u="sng" dirty="0">
+                <a:solidFill>
+                  <a:schemeClr val="accent2"/>
+                </a:solidFill>
+                <a:sym typeface="+mn-ea"/>
+              </a:rPr>
+              <a:t>make</a:t>
+            </a:r>
+            <a:r>
+              <a:rPr lang="en-US" altLang="zh-CN" sz="3200" dirty="0">
+                <a:solidFill>
+                  <a:schemeClr val="accent2"/>
+                </a:solidFill>
+                <a:sym typeface="+mn-ea"/>
+              </a:rPr>
+              <a:t> disciples of all nations, </a:t>
+            </a:r>
+            <a:r>
+              <a:rPr lang="en-US" altLang="zh-CN" sz="3200" b="1" u="sng" dirty="0">
+                <a:solidFill>
+                  <a:schemeClr val="accent2"/>
+                </a:solidFill>
+                <a:sym typeface="+mn-ea"/>
+              </a:rPr>
+              <a:t>baptizing</a:t>
+            </a:r>
+            <a:r>
+              <a:rPr lang="en-US" altLang="zh-CN" sz="3200" dirty="0">
+                <a:solidFill>
+                  <a:schemeClr val="accent2"/>
+                </a:solidFill>
+                <a:sym typeface="+mn-ea"/>
+              </a:rPr>
+              <a:t> them in the name of the Father and of the Son and of the Holy Spirit, and </a:t>
+            </a:r>
+            <a:r>
+              <a:rPr lang="en-US" altLang="zh-CN" sz="3200" b="1" u="sng" dirty="0">
+                <a:solidFill>
+                  <a:schemeClr val="accent2"/>
+                </a:solidFill>
+                <a:sym typeface="+mn-ea"/>
+              </a:rPr>
+              <a:t>teaching</a:t>
+            </a:r>
+            <a:r>
+              <a:rPr lang="en-US" altLang="zh-CN" sz="3200" dirty="0">
+                <a:solidFill>
+                  <a:schemeClr val="accent2"/>
+                </a:solidFill>
+                <a:sym typeface="+mn-ea"/>
+              </a:rPr>
+              <a:t> them to obey everything I have commanded you. And surely I am with you always, to the very end of the age." (Mat28:19-20 NIV). (G.M.B.T.)</a:t>
+            </a:r>
+            <a:endParaRPr lang="zh-CN" altLang="en-US" sz="3200" dirty="0">
+              <a:solidFill>
+                <a:schemeClr val="accent2"/>
+              </a:solidFill>
               <a:sym typeface="+mn-ea"/>
             </a:endParaRPr>
-          </a:p>
-          <a:p>
-            <a:r>
-              <a:rPr lang="en-US" altLang="zh-CN" sz="3200" dirty="0">
-                <a:solidFill>
-                  <a:schemeClr val="accent2"/>
-                </a:solidFill>
-                <a:sym typeface="+mn-ea"/>
-              </a:rPr>
-              <a:t>Please watch over and preserve the foundations of America so that they will never be shaken. Believe in Jesus as God.</a:t>
-            </a:r>
-          </a:p>
-        </p:txBody>
-      </p:sp>
-      <p:sp>
-        <p:nvSpPr>
-          <p:cNvPr id="5" name="Title 1">
-            <a:extLst>
-              <a:ext uri="{FF2B5EF4-FFF2-40B4-BE49-F238E27FC236}">
-                <a16:creationId xmlns:a16="http://schemas.microsoft.com/office/drawing/2014/main" id="{995F4E9B-7EE9-B09F-A63C-75BECC538E35}"/>
-              </a:ext>
-            </a:extLst>
-          </p:cNvPr>
-          <p:cNvSpPr txBox="1">
-            <a:spLocks/>
-          </p:cNvSpPr>
-          <p:nvPr/>
-        </p:nvSpPr>
-        <p:spPr>
-          <a:xfrm>
-            <a:off x="351817" y="2988009"/>
-            <a:ext cx="11488366" cy="3124555"/>
-          </a:xfrm>
-          <a:prstGeom prst="rect">
-            <a:avLst/>
-          </a:prstGeom>
-          <a:noFill/>
-          <a:ln w="9525">
-            <a:solidFill>
-              <a:schemeClr val="bg2"/>
-            </a:solidFill>
-          </a:ln>
-        </p:spPr>
-        <p:txBody>
-          <a:bodyPr anchor="ctr" anchorCtr="0"/>
-          <a:lstStyle>
-            <a:lvl1pPr algn="l" rtl="0" fontAlgn="base">
-              <a:spcBef>
-                <a:spcPct val="0"/>
-              </a:spcBef>
-              <a:spcAft>
-                <a:spcPct val="0"/>
-              </a:spcAft>
-              <a:defRPr sz="3600" kern="1200">
-                <a:solidFill>
-                  <a:schemeClr val="tx1"/>
-                </a:solidFill>
-                <a:latin typeface="+mj-lt"/>
-                <a:ea typeface="+mj-ea"/>
-                <a:cs typeface="+mj-cs"/>
-              </a:defRPr>
-            </a:lvl1pPr>
-            <a:lvl2pPr algn="l" rtl="0" fontAlgn="base">
-              <a:spcBef>
-                <a:spcPct val="0"/>
-              </a:spcBef>
-              <a:spcAft>
-                <a:spcPct val="0"/>
-              </a:spcAft>
-              <a:defRPr sz="3600">
-                <a:solidFill>
-                  <a:schemeClr val="tx1"/>
-                </a:solidFill>
-                <a:latin typeface="Arial" panose="020B0604020202020204" pitchFamily="34" charset="0"/>
-                <a:ea typeface="SimSun" panose="02010600030101010101" pitchFamily="2" charset="-122"/>
-              </a:defRPr>
-            </a:lvl2pPr>
-            <a:lvl3pPr algn="l" rtl="0" fontAlgn="base">
-              <a:spcBef>
-                <a:spcPct val="0"/>
-              </a:spcBef>
-              <a:spcAft>
-                <a:spcPct val="0"/>
-              </a:spcAft>
-              <a:defRPr sz="3600">
-                <a:solidFill>
-                  <a:schemeClr val="tx1"/>
-                </a:solidFill>
-                <a:latin typeface="Arial" panose="020B0604020202020204" pitchFamily="34" charset="0"/>
-                <a:ea typeface="SimSun" panose="02010600030101010101" pitchFamily="2" charset="-122"/>
-              </a:defRPr>
-            </a:lvl3pPr>
-            <a:lvl4pPr algn="l" rtl="0" fontAlgn="base">
-              <a:spcBef>
-                <a:spcPct val="0"/>
-              </a:spcBef>
-              <a:spcAft>
-                <a:spcPct val="0"/>
-              </a:spcAft>
-              <a:defRPr sz="3600">
-                <a:solidFill>
-                  <a:schemeClr val="tx1"/>
-                </a:solidFill>
-                <a:latin typeface="Arial" panose="020B0604020202020204" pitchFamily="34" charset="0"/>
-                <a:ea typeface="SimSun" panose="02010600030101010101" pitchFamily="2" charset="-122"/>
-              </a:defRPr>
-            </a:lvl4pPr>
-            <a:lvl5pPr algn="l" rtl="0" fontAlgn="base">
-              <a:spcBef>
-                <a:spcPct val="0"/>
-              </a:spcBef>
-              <a:spcAft>
-                <a:spcPct val="0"/>
-              </a:spcAft>
-              <a:defRPr sz="3600">
-                <a:solidFill>
-                  <a:schemeClr val="tx1"/>
-                </a:solidFill>
-                <a:latin typeface="Arial" panose="020B0604020202020204" pitchFamily="34" charset="0"/>
-                <a:ea typeface="SimSun" panose="02010600030101010101" pitchFamily="2" charset="-122"/>
-              </a:defRPr>
-            </a:lvl5pPr>
-            <a:lvl6pPr marL="457200" algn="l" rtl="0" fontAlgn="base">
-              <a:spcBef>
-                <a:spcPct val="0"/>
-              </a:spcBef>
-              <a:spcAft>
-                <a:spcPct val="0"/>
-              </a:spcAft>
-              <a:defRPr sz="3600">
-                <a:solidFill>
-                  <a:schemeClr val="tx1"/>
-                </a:solidFill>
-                <a:latin typeface="Arial" panose="020B0604020202020204" pitchFamily="34" charset="0"/>
-                <a:ea typeface="SimSun" panose="02010600030101010101" pitchFamily="2" charset="-122"/>
-              </a:defRPr>
-            </a:lvl6pPr>
-            <a:lvl7pPr marL="914400" algn="l" rtl="0" fontAlgn="base">
-              <a:spcBef>
-                <a:spcPct val="0"/>
-              </a:spcBef>
-              <a:spcAft>
-                <a:spcPct val="0"/>
-              </a:spcAft>
-              <a:defRPr sz="3600">
-                <a:solidFill>
-                  <a:schemeClr val="tx1"/>
-                </a:solidFill>
-                <a:latin typeface="Arial" panose="020B0604020202020204" pitchFamily="34" charset="0"/>
-                <a:ea typeface="SimSun" panose="02010600030101010101" pitchFamily="2" charset="-122"/>
-              </a:defRPr>
-            </a:lvl7pPr>
-            <a:lvl8pPr marL="1371600" algn="l" rtl="0" fontAlgn="base">
-              <a:spcBef>
-                <a:spcPct val="0"/>
-              </a:spcBef>
-              <a:spcAft>
-                <a:spcPct val="0"/>
-              </a:spcAft>
-              <a:defRPr sz="3600">
-                <a:solidFill>
-                  <a:schemeClr val="tx1"/>
-                </a:solidFill>
-                <a:latin typeface="Arial" panose="020B0604020202020204" pitchFamily="34" charset="0"/>
-                <a:ea typeface="SimSun" panose="02010600030101010101" pitchFamily="2" charset="-122"/>
-              </a:defRPr>
-            </a:lvl8pPr>
-            <a:lvl9pPr marL="1828800" algn="l" rtl="0" fontAlgn="base">
-              <a:spcBef>
-                <a:spcPct val="0"/>
-              </a:spcBef>
-              <a:spcAft>
-                <a:spcPct val="0"/>
-              </a:spcAft>
-              <a:defRPr sz="3600">
-                <a:solidFill>
-                  <a:schemeClr val="tx1"/>
-                </a:solidFill>
-                <a:latin typeface="Arial" panose="020B0604020202020204" pitchFamily="34" charset="0"/>
-                <a:ea typeface="SimSun" panose="02010600030101010101" pitchFamily="2" charset="-122"/>
-              </a:defRPr>
-            </a:lvl9pPr>
-          </a:lstStyle>
-          <a:p>
-            <a:r>
-              <a:rPr lang="ja-JP" altLang="en-US" sz="3200">
-                <a:sym typeface="+mn-ea"/>
-              </a:rPr>
-              <a:t>求你看顾保守美国年青的一代</a:t>
-            </a:r>
-            <a:r>
-              <a:rPr lang="en-US" altLang="ja-JP" sz="3200" dirty="0">
-                <a:sym typeface="+mn-ea"/>
-              </a:rPr>
-              <a:t>, </a:t>
-            </a:r>
-            <a:r>
-              <a:rPr lang="ja-JP" altLang="en-US" sz="3200">
-                <a:sym typeface="+mn-ea"/>
-              </a:rPr>
-              <a:t>寻求真理</a:t>
-            </a:r>
-            <a:r>
-              <a:rPr lang="en-US" altLang="ja-JP" sz="3200" dirty="0">
-                <a:sym typeface="+mn-ea"/>
-              </a:rPr>
-              <a:t>,</a:t>
-            </a:r>
-            <a:r>
-              <a:rPr lang="ja-JP" altLang="en-US" sz="3200">
-                <a:sym typeface="+mn-ea"/>
-              </a:rPr>
-              <a:t> 建立幸福家庭</a:t>
-            </a:r>
-            <a:r>
-              <a:rPr lang="en-US" altLang="ja-JP" sz="3200" dirty="0">
-                <a:sym typeface="+mn-ea"/>
-              </a:rPr>
-              <a:t>,</a:t>
-            </a:r>
-          </a:p>
-          <a:p>
-            <a:r>
-              <a:rPr lang="ja-JP" altLang="en-US" sz="3200">
-                <a:sym typeface="+mn-ea"/>
-              </a:rPr>
-              <a:t> </a:t>
-            </a:r>
-            <a:r>
-              <a:rPr lang="ja-JP" altLang="en-US" sz="3200">
-                <a:solidFill>
-                  <a:srgbClr val="0070C0"/>
-                </a:solidFill>
-                <a:sym typeface="+mn-ea"/>
-              </a:rPr>
-              <a:t>不叫他们被色情</a:t>
-            </a:r>
-            <a:r>
-              <a:rPr lang="en-US" altLang="ja-JP" sz="3200" dirty="0">
-                <a:solidFill>
-                  <a:srgbClr val="0070C0"/>
-                </a:solidFill>
-                <a:sym typeface="+mn-ea"/>
-              </a:rPr>
-              <a:t>,</a:t>
-            </a:r>
-            <a:r>
-              <a:rPr lang="ja-JP" altLang="en-US" sz="3200">
-                <a:solidFill>
-                  <a:srgbClr val="0070C0"/>
-                </a:solidFill>
-                <a:sym typeface="+mn-ea"/>
-              </a:rPr>
-              <a:t>毒品</a:t>
-            </a:r>
-            <a:r>
-              <a:rPr lang="en-US" altLang="ja-JP" sz="3200" dirty="0">
-                <a:solidFill>
-                  <a:srgbClr val="0070C0"/>
-                </a:solidFill>
-                <a:sym typeface="+mn-ea"/>
-              </a:rPr>
-              <a:t>,</a:t>
-            </a:r>
-            <a:r>
-              <a:rPr lang="ja-JP" altLang="en-US" sz="3200">
-                <a:solidFill>
-                  <a:srgbClr val="0070C0"/>
-                </a:solidFill>
-                <a:sym typeface="+mn-ea"/>
-              </a:rPr>
-              <a:t>异端所掠去</a:t>
-            </a:r>
-            <a:r>
-              <a:rPr lang="ja-JP" altLang="en-US" sz="3200">
-                <a:sym typeface="+mn-ea"/>
-              </a:rPr>
-              <a:t>。</a:t>
-            </a:r>
-            <a:endParaRPr lang="en-US" altLang="ja-JP" sz="3200" dirty="0">
-              <a:sym typeface="+mn-ea"/>
-            </a:endParaRPr>
-          </a:p>
-          <a:p>
-            <a:r>
-              <a:rPr lang="en-US" altLang="zh-CN" sz="3200" dirty="0">
-                <a:solidFill>
-                  <a:schemeClr val="accent2"/>
-                </a:solidFill>
-                <a:sym typeface="+mn-ea"/>
-              </a:rPr>
-              <a:t>Please watch over and protect the younger generation, establish a divine, happy family,</a:t>
-            </a:r>
-          </a:p>
-          <a:p>
-            <a:r>
-              <a:rPr lang="en-US" altLang="zh-CN" sz="3200" dirty="0">
-                <a:solidFill>
-                  <a:schemeClr val="accent2"/>
-                </a:solidFill>
-                <a:sym typeface="+mn-ea"/>
-              </a:rPr>
-              <a:t>Seeking the Truth,  </a:t>
-            </a:r>
-          </a:p>
-          <a:p>
-            <a:r>
-              <a:rPr lang="en-US" altLang="zh-CN" sz="3200" dirty="0">
-                <a:solidFill>
-                  <a:schemeClr val="accent2"/>
-                </a:solidFill>
-                <a:sym typeface="+mn-ea"/>
-              </a:rPr>
-              <a:t>Don't let them be taken away by pornography, drugs, and heresy liberal thoughts. </a:t>
-            </a:r>
           </a:p>
         </p:txBody>
       </p:sp>
     </p:spTree>
     <p:extLst>
       <p:ext uri="{BB962C8B-B14F-4D97-AF65-F5344CB8AC3E}">
-        <p14:creationId xmlns:p14="http://schemas.microsoft.com/office/powerpoint/2010/main" val="162080211"/>
+        <p14:creationId xmlns:p14="http://schemas.microsoft.com/office/powerpoint/2010/main" val="3265053072"/>
       </p:ext>
     </p:extLst>
   </p:cSld>
@@ -7573,7 +8299,7 @@
       </p:grpSpPr>
       <p:sp>
         <p:nvSpPr>
-          <p:cNvPr id="21" name="Title 20"/>
+          <p:cNvPr id="2" name="Title 1"/>
           <p:cNvSpPr>
             <a:spLocks noGrp="1"/>
           </p:cNvSpPr>
@@ -7581,179 +8307,492 @@
             <p:ph type="title"/>
           </p:nvPr>
         </p:nvSpPr>
-        <p:spPr/>
+        <p:spPr>
+          <a:xfrm>
+            <a:off x="351817" y="301557"/>
+            <a:ext cx="11488366" cy="700392"/>
+          </a:xfrm>
+          <a:solidFill>
+            <a:schemeClr val="accent3">
+              <a:lumMod val="85000"/>
+            </a:schemeClr>
+          </a:solidFill>
+        </p:spPr>
         <p:txBody>
           <a:bodyPr/>
           <a:lstStyle/>
           <a:p>
-            <a:endParaRPr lang="en-US" dirty="0"/>
-          </a:p>
-        </p:txBody>
-      </p:sp>
-      <p:sp>
-        <p:nvSpPr>
-          <p:cNvPr id="17" name="Text Box 16"/>
-          <p:cNvSpPr txBox="1"/>
+            <a:r>
+              <a:rPr lang="en-US" altLang="zh-CN" sz="3200" dirty="0">
+                <a:solidFill>
+                  <a:schemeClr val="accent2"/>
+                </a:solidFill>
+                <a:sym typeface="+mn-ea"/>
+              </a:rPr>
+              <a:t>Pray for the Family (Husband and Wife) </a:t>
+            </a:r>
+            <a:endParaRPr lang="zh-CN" altLang="en-US" sz="3200" dirty="0">
+              <a:solidFill>
+                <a:schemeClr val="accent2"/>
+              </a:solidFill>
+              <a:sym typeface="+mn-ea"/>
+            </a:endParaRPr>
+          </a:p>
+        </p:txBody>
+      </p:sp>
+      <p:sp>
+        <p:nvSpPr>
+          <p:cNvPr id="6" name="Title 1">
+            <a:extLst>
+              <a:ext uri="{FF2B5EF4-FFF2-40B4-BE49-F238E27FC236}">
+                <a16:creationId xmlns:a16="http://schemas.microsoft.com/office/drawing/2014/main" id="{9775AB54-DC47-878D-94A2-289C045F59B6}"/>
+              </a:ext>
+            </a:extLst>
+          </p:cNvPr>
+          <p:cNvSpPr txBox="1">
+            <a:spLocks/>
+          </p:cNvSpPr>
           <p:nvPr/>
         </p:nvSpPr>
         <p:spPr>
           <a:xfrm>
-            <a:off x="1172250" y="1031589"/>
-            <a:ext cx="9051519" cy="4659091"/>
+            <a:off x="351817" y="1128409"/>
+            <a:ext cx="11488366" cy="1896894"/>
           </a:xfrm>
           <a:prstGeom prst="rect">
             <a:avLst/>
           </a:prstGeom>
           <a:noFill/>
+          <a:ln w="9525">
+            <a:solidFill>
+              <a:schemeClr val="bg2"/>
+            </a:solidFill>
+          </a:ln>
         </p:spPr>
         <p:txBody>
-          <a:bodyPr wrap="square" rtlCol="0">
-            <a:noAutofit/>
-          </a:bodyPr>
-          <a:lstStyle/>
-          <a:p>
-            <a:pPr algn="ctr"/>
-            <a:r>
-              <a:rPr lang="en-US" altLang="en-US" sz="2800" dirty="0">
-                <a:hlinkClick r:id="rId2"/>
+          <a:bodyPr anchor="ctr" anchorCtr="0"/>
+          <a:lstStyle>
+            <a:lvl1pPr algn="l" rtl="0" fontAlgn="base">
+              <a:spcBef>
+                <a:spcPct val="0"/>
+              </a:spcBef>
+              <a:spcAft>
+                <a:spcPct val="0"/>
+              </a:spcAft>
+              <a:defRPr sz="3600" kern="1200">
+                <a:solidFill>
+                  <a:schemeClr val="tx1"/>
+                </a:solidFill>
+                <a:latin typeface="+mj-lt"/>
+                <a:ea typeface="+mj-ea"/>
+                <a:cs typeface="+mj-cs"/>
+              </a:defRPr>
+            </a:lvl1pPr>
+            <a:lvl2pPr algn="l" rtl="0" fontAlgn="base">
+              <a:spcBef>
+                <a:spcPct val="0"/>
+              </a:spcBef>
+              <a:spcAft>
+                <a:spcPct val="0"/>
+              </a:spcAft>
+              <a:defRPr sz="3600">
+                <a:solidFill>
+                  <a:schemeClr val="tx1"/>
+                </a:solidFill>
+                <a:latin typeface="Arial" panose="020B0604020202020204" pitchFamily="34" charset="0"/>
+                <a:ea typeface="SimSun" panose="02010600030101010101" pitchFamily="2" charset="-122"/>
+              </a:defRPr>
+            </a:lvl2pPr>
+            <a:lvl3pPr algn="l" rtl="0" fontAlgn="base">
+              <a:spcBef>
+                <a:spcPct val="0"/>
+              </a:spcBef>
+              <a:spcAft>
+                <a:spcPct val="0"/>
+              </a:spcAft>
+              <a:defRPr sz="3600">
+                <a:solidFill>
+                  <a:schemeClr val="tx1"/>
+                </a:solidFill>
+                <a:latin typeface="Arial" panose="020B0604020202020204" pitchFamily="34" charset="0"/>
+                <a:ea typeface="SimSun" panose="02010600030101010101" pitchFamily="2" charset="-122"/>
+              </a:defRPr>
+            </a:lvl3pPr>
+            <a:lvl4pPr algn="l" rtl="0" fontAlgn="base">
+              <a:spcBef>
+                <a:spcPct val="0"/>
+              </a:spcBef>
+              <a:spcAft>
+                <a:spcPct val="0"/>
+              </a:spcAft>
+              <a:defRPr sz="3600">
+                <a:solidFill>
+                  <a:schemeClr val="tx1"/>
+                </a:solidFill>
+                <a:latin typeface="Arial" panose="020B0604020202020204" pitchFamily="34" charset="0"/>
+                <a:ea typeface="SimSun" panose="02010600030101010101" pitchFamily="2" charset="-122"/>
+              </a:defRPr>
+            </a:lvl4pPr>
+            <a:lvl5pPr algn="l" rtl="0" fontAlgn="base">
+              <a:spcBef>
+                <a:spcPct val="0"/>
+              </a:spcBef>
+              <a:spcAft>
+                <a:spcPct val="0"/>
+              </a:spcAft>
+              <a:defRPr sz="3600">
+                <a:solidFill>
+                  <a:schemeClr val="tx1"/>
+                </a:solidFill>
+                <a:latin typeface="Arial" panose="020B0604020202020204" pitchFamily="34" charset="0"/>
+                <a:ea typeface="SimSun" panose="02010600030101010101" pitchFamily="2" charset="-122"/>
+              </a:defRPr>
+            </a:lvl5pPr>
+            <a:lvl6pPr marL="457200" algn="l" rtl="0" fontAlgn="base">
+              <a:spcBef>
+                <a:spcPct val="0"/>
+              </a:spcBef>
+              <a:spcAft>
+                <a:spcPct val="0"/>
+              </a:spcAft>
+              <a:defRPr sz="3600">
+                <a:solidFill>
+                  <a:schemeClr val="tx1"/>
+                </a:solidFill>
+                <a:latin typeface="Arial" panose="020B0604020202020204" pitchFamily="34" charset="0"/>
+                <a:ea typeface="SimSun" panose="02010600030101010101" pitchFamily="2" charset="-122"/>
+              </a:defRPr>
+            </a:lvl6pPr>
+            <a:lvl7pPr marL="914400" algn="l" rtl="0" fontAlgn="base">
+              <a:spcBef>
+                <a:spcPct val="0"/>
+              </a:spcBef>
+              <a:spcAft>
+                <a:spcPct val="0"/>
+              </a:spcAft>
+              <a:defRPr sz="3600">
+                <a:solidFill>
+                  <a:schemeClr val="tx1"/>
+                </a:solidFill>
+                <a:latin typeface="Arial" panose="020B0604020202020204" pitchFamily="34" charset="0"/>
+                <a:ea typeface="SimSun" panose="02010600030101010101" pitchFamily="2" charset="-122"/>
+              </a:defRPr>
+            </a:lvl7pPr>
+            <a:lvl8pPr marL="1371600" algn="l" rtl="0" fontAlgn="base">
+              <a:spcBef>
+                <a:spcPct val="0"/>
+              </a:spcBef>
+              <a:spcAft>
+                <a:spcPct val="0"/>
+              </a:spcAft>
+              <a:defRPr sz="3600">
+                <a:solidFill>
+                  <a:schemeClr val="tx1"/>
+                </a:solidFill>
+                <a:latin typeface="Arial" panose="020B0604020202020204" pitchFamily="34" charset="0"/>
+                <a:ea typeface="SimSun" panose="02010600030101010101" pitchFamily="2" charset="-122"/>
+              </a:defRPr>
+            </a:lvl8pPr>
+            <a:lvl9pPr marL="1828800" algn="l" rtl="0" fontAlgn="base">
+              <a:spcBef>
+                <a:spcPct val="0"/>
+              </a:spcBef>
+              <a:spcAft>
+                <a:spcPct val="0"/>
+              </a:spcAft>
+              <a:defRPr sz="3600">
+                <a:solidFill>
+                  <a:schemeClr val="tx1"/>
+                </a:solidFill>
+                <a:latin typeface="Arial" panose="020B0604020202020204" pitchFamily="34" charset="0"/>
+                <a:ea typeface="SimSun" panose="02010600030101010101" pitchFamily="2" charset="-122"/>
+              </a:defRPr>
+            </a:lvl9pPr>
+          </a:lstStyle>
+          <a:p>
+            <a:r>
+              <a:rPr lang="zh-CN" altLang="en-US" sz="3200" dirty="0">
+                <a:sym typeface="+mn-ea"/>
               </a:rPr>
-              <a:t>https://www.youtube.com/watch?v=8sXlbTkH6SE&amp;ab_channel=ACCCAtlanta</a:t>
-            </a:r>
-            <a:r>
-              <a:rPr lang="en-US" altLang="en-US" sz="2800" dirty="0"/>
-              <a:t> </a:t>
-            </a:r>
-          </a:p>
-          <a:p>
-            <a:pPr algn="ctr"/>
-            <a:r>
-              <a:rPr lang="ja-JP" altLang="en-US" sz="2800" b="1" i="0">
-                <a:solidFill>
-                  <a:srgbClr val="0F0F0F"/>
-                </a:solidFill>
-                <a:effectLst/>
-                <a:latin typeface="Roboto" panose="02000000000000000000" pitchFamily="2" charset="0"/>
+              <a:t>我们在天上的父、愿人都尊你的名为圣。</a:t>
+            </a:r>
+            <a:endParaRPr lang="en-US" altLang="zh-CN" sz="3200" dirty="0">
+              <a:sym typeface="+mn-ea"/>
+            </a:endParaRPr>
+          </a:p>
+          <a:p>
+            <a:r>
+              <a:rPr lang="zh-CN" altLang="en-US" sz="3200" dirty="0">
+                <a:sym typeface="+mn-ea"/>
               </a:rPr>
-              <a:t>為主而活</a:t>
-            </a:r>
-          </a:p>
-          <a:p>
-            <a:pPr algn="ctr"/>
-            <a:endParaRPr lang="en-US" altLang="en-US" sz="2800" dirty="0"/>
-          </a:p>
-          <a:p>
-            <a:pPr algn="ctr"/>
-            <a:endParaRPr lang="en-US" altLang="en-US" sz="2800" dirty="0"/>
-          </a:p>
-          <a:p>
-            <a:pPr algn="ctr"/>
-            <a:endParaRPr lang="en-US" altLang="en-US" sz="2800" dirty="0"/>
-          </a:p>
-          <a:p>
-            <a:pPr algn="ctr"/>
-            <a:r>
-              <a:rPr lang="en-US" altLang="en-US" sz="2800" dirty="0"/>
-              <a:t>https://</a:t>
-            </a:r>
-            <a:r>
-              <a:rPr lang="en-US" altLang="en-US" sz="2800" dirty="0" err="1"/>
-              <a:t>www.youtube.com</a:t>
-            </a:r>
-            <a:r>
-              <a:rPr lang="en-US" altLang="en-US" sz="2800" dirty="0"/>
-              <a:t>/</a:t>
-            </a:r>
-            <a:r>
-              <a:rPr lang="en-US" altLang="en-US" sz="2800" dirty="0" err="1"/>
-              <a:t>watch?v</a:t>
-            </a:r>
-            <a:r>
-              <a:rPr lang="en-US" altLang="en-US" sz="2800" dirty="0"/>
-              <a:t>=bmUnSstK854</a:t>
-            </a:r>
-          </a:p>
-          <a:p>
-            <a:pPr algn="ctr"/>
-            <a:r>
-              <a:rPr lang="zh-CN" altLang="en-US" sz="2800" dirty="0"/>
-              <a:t>行祢旨意</a:t>
-            </a:r>
-            <a:r>
-              <a:rPr lang="en-US" altLang="en-US" sz="2800" dirty="0"/>
-              <a:t> </a:t>
-            </a:r>
-          </a:p>
-          <a:p>
-            <a:pPr algn="ctr"/>
-            <a:r>
-              <a:rPr lang="en-US" altLang="en-US" sz="2800" dirty="0"/>
-              <a:t>(Go) Hillsong In Chinese</a:t>
-            </a:r>
-          </a:p>
-          <a:p>
-            <a:pPr algn="ctr"/>
-            <a:r>
-              <a:rPr lang="en-US" altLang="en-US" sz="2800" dirty="0"/>
-              <a:t>Hillsong </a:t>
-            </a:r>
-            <a:r>
-              <a:rPr lang="zh-CN" altLang="en-US" sz="2800" dirty="0"/>
-              <a:t>华语</a:t>
-            </a:r>
-          </a:p>
-          <a:p>
-            <a:pPr algn="ctr"/>
-            <a:endParaRPr lang="en-US" altLang="en-US" sz="2800" dirty="0"/>
-          </a:p>
-          <a:p>
-            <a:pPr algn="ctr"/>
-            <a:endParaRPr lang="en-US" altLang="en-US" sz="2800" dirty="0"/>
-          </a:p>
-        </p:txBody>
-      </p:sp>
-      <p:pic>
-        <p:nvPicPr>
-          <p:cNvPr id="20" name="Content Placeholder 19"/>
-          <p:cNvPicPr>
-            <a:picLocks noGrp="1" noChangeAspect="1"/>
-          </p:cNvPicPr>
-          <p:nvPr>
-            <p:ph idx="1"/>
-          </p:nvPr>
-        </p:nvPicPr>
-        <p:blipFill>
-          <a:blip/>
-          <a:stretch>
-            <a:fillRect/>
-          </a:stretch>
-        </p:blipFill>
+              <a:t>愿你的国降临。愿你的旨意行在地上、如同行在天上</a:t>
+            </a:r>
+            <a:r>
+              <a:rPr lang="en-US" altLang="zh-CN" sz="3200" dirty="0">
+                <a:sym typeface="+mn-ea"/>
+              </a:rPr>
+              <a:t>.</a:t>
+            </a:r>
+          </a:p>
+          <a:p>
+            <a:r>
+              <a:rPr lang="en-US" altLang="zh-CN" sz="3200" dirty="0">
+                <a:solidFill>
+                  <a:schemeClr val="accent2"/>
+                </a:solidFill>
+                <a:sym typeface="+mn-ea"/>
+              </a:rPr>
+              <a:t>Father in heaven, hallowed be your name, your kingdom come, your will be done on earth as it is in heaven</a:t>
+            </a:r>
+            <a:endParaRPr lang="zh-CN" altLang="en-US" sz="3200" dirty="0">
+              <a:solidFill>
+                <a:schemeClr val="accent2"/>
+              </a:solidFill>
+              <a:sym typeface="+mn-ea"/>
+            </a:endParaRPr>
+          </a:p>
+        </p:txBody>
+      </p:sp>
+      <p:sp>
+        <p:nvSpPr>
+          <p:cNvPr id="3" name="Title 1">
+            <a:extLst>
+              <a:ext uri="{FF2B5EF4-FFF2-40B4-BE49-F238E27FC236}">
+                <a16:creationId xmlns:a16="http://schemas.microsoft.com/office/drawing/2014/main" id="{504C4F0A-766F-77BD-804C-FEB2C1BAB6D8}"/>
+              </a:ext>
+            </a:extLst>
+          </p:cNvPr>
+          <p:cNvSpPr txBox="1">
+            <a:spLocks/>
+          </p:cNvSpPr>
+          <p:nvPr/>
+        </p:nvSpPr>
         <p:spPr>
           <a:xfrm>
-            <a:off x="-2147483648" y="-2147483648"/>
-            <a:ext cx="2147011200" cy="2147011200"/>
+            <a:off x="351817" y="3127439"/>
+            <a:ext cx="11488366" cy="3176084"/>
           </a:xfrm>
           <a:prstGeom prst="rect">
             <a:avLst/>
           </a:prstGeom>
+          <a:noFill/>
+          <a:ln w="9525">
+            <a:solidFill>
+              <a:schemeClr val="bg2"/>
+            </a:solidFill>
+          </a:ln>
         </p:spPr>
-      </p:pic>
+        <p:txBody>
+          <a:bodyPr anchor="ctr" anchorCtr="0"/>
+          <a:lstStyle>
+            <a:lvl1pPr algn="l" rtl="0" fontAlgn="base">
+              <a:spcBef>
+                <a:spcPct val="0"/>
+              </a:spcBef>
+              <a:spcAft>
+                <a:spcPct val="0"/>
+              </a:spcAft>
+              <a:defRPr sz="3600" kern="1200">
+                <a:solidFill>
+                  <a:schemeClr val="tx1"/>
+                </a:solidFill>
+                <a:latin typeface="+mj-lt"/>
+                <a:ea typeface="+mj-ea"/>
+                <a:cs typeface="+mj-cs"/>
+              </a:defRPr>
+            </a:lvl1pPr>
+            <a:lvl2pPr algn="l" rtl="0" fontAlgn="base">
+              <a:spcBef>
+                <a:spcPct val="0"/>
+              </a:spcBef>
+              <a:spcAft>
+                <a:spcPct val="0"/>
+              </a:spcAft>
+              <a:defRPr sz="3600">
+                <a:solidFill>
+                  <a:schemeClr val="tx1"/>
+                </a:solidFill>
+                <a:latin typeface="Arial" panose="020B0604020202020204" pitchFamily="34" charset="0"/>
+                <a:ea typeface="SimSun" panose="02010600030101010101" pitchFamily="2" charset="-122"/>
+              </a:defRPr>
+            </a:lvl2pPr>
+            <a:lvl3pPr algn="l" rtl="0" fontAlgn="base">
+              <a:spcBef>
+                <a:spcPct val="0"/>
+              </a:spcBef>
+              <a:spcAft>
+                <a:spcPct val="0"/>
+              </a:spcAft>
+              <a:defRPr sz="3600">
+                <a:solidFill>
+                  <a:schemeClr val="tx1"/>
+                </a:solidFill>
+                <a:latin typeface="Arial" panose="020B0604020202020204" pitchFamily="34" charset="0"/>
+                <a:ea typeface="SimSun" panose="02010600030101010101" pitchFamily="2" charset="-122"/>
+              </a:defRPr>
+            </a:lvl3pPr>
+            <a:lvl4pPr algn="l" rtl="0" fontAlgn="base">
+              <a:spcBef>
+                <a:spcPct val="0"/>
+              </a:spcBef>
+              <a:spcAft>
+                <a:spcPct val="0"/>
+              </a:spcAft>
+              <a:defRPr sz="3600">
+                <a:solidFill>
+                  <a:schemeClr val="tx1"/>
+                </a:solidFill>
+                <a:latin typeface="Arial" panose="020B0604020202020204" pitchFamily="34" charset="0"/>
+                <a:ea typeface="SimSun" panose="02010600030101010101" pitchFamily="2" charset="-122"/>
+              </a:defRPr>
+            </a:lvl4pPr>
+            <a:lvl5pPr algn="l" rtl="0" fontAlgn="base">
+              <a:spcBef>
+                <a:spcPct val="0"/>
+              </a:spcBef>
+              <a:spcAft>
+                <a:spcPct val="0"/>
+              </a:spcAft>
+              <a:defRPr sz="3600">
+                <a:solidFill>
+                  <a:schemeClr val="tx1"/>
+                </a:solidFill>
+                <a:latin typeface="Arial" panose="020B0604020202020204" pitchFamily="34" charset="0"/>
+                <a:ea typeface="SimSun" panose="02010600030101010101" pitchFamily="2" charset="-122"/>
+              </a:defRPr>
+            </a:lvl5pPr>
+            <a:lvl6pPr marL="457200" algn="l" rtl="0" fontAlgn="base">
+              <a:spcBef>
+                <a:spcPct val="0"/>
+              </a:spcBef>
+              <a:spcAft>
+                <a:spcPct val="0"/>
+              </a:spcAft>
+              <a:defRPr sz="3600">
+                <a:solidFill>
+                  <a:schemeClr val="tx1"/>
+                </a:solidFill>
+                <a:latin typeface="Arial" panose="020B0604020202020204" pitchFamily="34" charset="0"/>
+                <a:ea typeface="SimSun" panose="02010600030101010101" pitchFamily="2" charset="-122"/>
+              </a:defRPr>
+            </a:lvl6pPr>
+            <a:lvl7pPr marL="914400" algn="l" rtl="0" fontAlgn="base">
+              <a:spcBef>
+                <a:spcPct val="0"/>
+              </a:spcBef>
+              <a:spcAft>
+                <a:spcPct val="0"/>
+              </a:spcAft>
+              <a:defRPr sz="3600">
+                <a:solidFill>
+                  <a:schemeClr val="tx1"/>
+                </a:solidFill>
+                <a:latin typeface="Arial" panose="020B0604020202020204" pitchFamily="34" charset="0"/>
+                <a:ea typeface="SimSun" panose="02010600030101010101" pitchFamily="2" charset="-122"/>
+              </a:defRPr>
+            </a:lvl7pPr>
+            <a:lvl8pPr marL="1371600" algn="l" rtl="0" fontAlgn="base">
+              <a:spcBef>
+                <a:spcPct val="0"/>
+              </a:spcBef>
+              <a:spcAft>
+                <a:spcPct val="0"/>
+              </a:spcAft>
+              <a:defRPr sz="3600">
+                <a:solidFill>
+                  <a:schemeClr val="tx1"/>
+                </a:solidFill>
+                <a:latin typeface="Arial" panose="020B0604020202020204" pitchFamily="34" charset="0"/>
+                <a:ea typeface="SimSun" panose="02010600030101010101" pitchFamily="2" charset="-122"/>
+              </a:defRPr>
+            </a:lvl8pPr>
+            <a:lvl9pPr marL="1828800" algn="l" rtl="0" fontAlgn="base">
+              <a:spcBef>
+                <a:spcPct val="0"/>
+              </a:spcBef>
+              <a:spcAft>
+                <a:spcPct val="0"/>
+              </a:spcAft>
+              <a:defRPr sz="3600">
+                <a:solidFill>
+                  <a:schemeClr val="tx1"/>
+                </a:solidFill>
+                <a:latin typeface="Arial" panose="020B0604020202020204" pitchFamily="34" charset="0"/>
+                <a:ea typeface="SimSun" panose="02010600030101010101" pitchFamily="2" charset="-122"/>
+              </a:defRPr>
+            </a:lvl9pPr>
+          </a:lstStyle>
+          <a:p>
+            <a:r>
+              <a:rPr lang="ja-JP" altLang="en-US" sz="3200">
+                <a:sym typeface="+mn-ea"/>
+              </a:rPr>
+              <a:t>求你看顾保守教会牧师弟兄</a:t>
+            </a:r>
+            <a:r>
+              <a:rPr lang="zh-CN" altLang="en-US" sz="3200" dirty="0">
+                <a:sym typeface="+mn-ea"/>
+              </a:rPr>
+              <a:t>的</a:t>
+            </a:r>
+            <a:r>
+              <a:rPr lang="ja-JP" altLang="en-US" sz="3200">
+                <a:sym typeface="+mn-ea"/>
+              </a:rPr>
+              <a:t>家庭。不要叫我们遇见试探。救我们脱离凶恶。</a:t>
+            </a:r>
+            <a:endParaRPr lang="en-US" altLang="ja-JP" sz="3200" dirty="0">
+              <a:sym typeface="+mn-ea"/>
+            </a:endParaRPr>
+          </a:p>
+          <a:p>
+            <a:r>
+              <a:rPr lang="en-US" altLang="zh-CN" sz="3200" dirty="0">
+                <a:solidFill>
+                  <a:schemeClr val="accent2"/>
+                </a:solidFill>
+                <a:sym typeface="+mn-ea"/>
+              </a:rPr>
+              <a:t>Please watch over and protect the pastors and brothers’ Family. Do not lead us into temptation. Deliver us from evil.</a:t>
+            </a:r>
+          </a:p>
+          <a:p>
+            <a:r>
+              <a:rPr lang="ja-JP" altLang="en-US" sz="3200">
+                <a:sym typeface="+mn-ea"/>
+              </a:rPr>
+              <a:t>兴旺福音和教会</a:t>
+            </a:r>
+            <a:r>
+              <a:rPr lang="en-US" altLang="ja-JP" sz="3200" dirty="0">
+                <a:sym typeface="+mn-ea"/>
+              </a:rPr>
+              <a:t>.</a:t>
+            </a:r>
+          </a:p>
+          <a:p>
+            <a:r>
+              <a:rPr lang="en-US" altLang="zh-CN" sz="3200" dirty="0">
+                <a:solidFill>
+                  <a:schemeClr val="accent2"/>
+                </a:solidFill>
+                <a:sym typeface="+mn-ea"/>
+              </a:rPr>
+              <a:t>Thriving gospel and church.</a:t>
+            </a:r>
+          </a:p>
+        </p:txBody>
+      </p:sp>
     </p:spTree>
+    <p:extLst>
+      <p:ext uri="{BB962C8B-B14F-4D97-AF65-F5344CB8AC3E}">
+        <p14:creationId xmlns:p14="http://schemas.microsoft.com/office/powerpoint/2010/main" val="2969253704"/>
+      </p:ext>
+    </p:extLst>
   </p:cSld>
   <p:clrMapOvr>
     <a:masterClrMapping/>
   </p:clrMapOvr>
-  <mc:AlternateContent xmlns:mc="http://schemas.openxmlformats.org/markup-compatibility/2006" xmlns:p14="http://schemas.microsoft.com/office/powerpoint/2010/main">
-    <mc:Choice Requires="p14">
-      <p:transition spd="slow">
-        <p:wedge/>
-      </p:transition>
-    </mc:Choice>
-    <mc:Fallback xmlns="">
-      <p:transition spd="slow">
-        <p:wedge/>
-      </p:transition>
-    </mc:Fallback>
-  </mc:AlternateContent>
 </p:sld>
 </file>
 
